--- a/docs/WeeklyUpdates/WeeklyUpdate_Oct26-30.pptx
+++ b/docs/WeeklyUpdates/WeeklyUpdate_Oct26-30.pptx
@@ -210,7 +210,7 @@
           <a:p>
             <a:fld id="{435793A2-C00B-48F1-8F7C-3BE850BB26D7}" type="datetimeFigureOut">
               <a:rPr lang="en-US" smtClean="0"/>
-              <a:t>10/29/20</a:t>
+              <a:t>10/30/20</a:t>
             </a:fld>
             <a:endParaRPr lang="en-US"/>
           </a:p>
@@ -4083,14 +4083,13 @@
               <a:lnSpc>
                 <a:spcPct val="200000"/>
               </a:lnSpc>
-              <a:buFont typeface="Arial" pitchFamily="34" charset="0"/>
               <a:buNone/>
             </a:pPr>
             <a:r>
               <a:rPr lang="en-US" altLang="en-US" sz="1600" dirty="0">
                 <a:ea typeface="ＭＳ Ｐゴシック" pitchFamily="34" charset="-128"/>
               </a:rPr>
-              <a:t>Andrew Nguyen | Colton </a:t>
+              <a:t>Andrew Nguyen | Bryce George | Colton </a:t>
             </a:r>
             <a:r>
               <a:rPr lang="en-US" altLang="en-US" sz="1600" dirty="0" err="1">
@@ -4102,7 +4101,7 @@
               <a:rPr lang="en-US" altLang="en-US" sz="1600" dirty="0">
                 <a:ea typeface="ＭＳ Ｐゴシック" pitchFamily="34" charset="-128"/>
               </a:rPr>
-              <a:t> | Bryce George | William Ross</a:t>
+              <a:t> | William Ross</a:t>
             </a:r>
           </a:p>
           <a:p>

--- a/docs/WeeklyUpdates/WeeklyUpdate_Oct26-30.pptx
+++ b/docs/WeeklyUpdates/WeeklyUpdate_Oct26-30.pptx
@@ -3864,8 +3864,8 @@
         </p:nvSpPr>
         <p:spPr>
           <a:xfrm>
-            <a:off x="419100" y="914400"/>
-            <a:ext cx="8229600" cy="609600"/>
+            <a:off x="457200" y="609600"/>
+            <a:ext cx="8229600" cy="1371600"/>
           </a:xfrm>
           <a:prstGeom prst="rect">
             <a:avLst/>
@@ -3873,7 +3873,7 @@
         </p:spPr>
         <p:txBody>
           <a:bodyPr vert="horz" lIns="91440" tIns="45720" rIns="91440" bIns="45720" rtlCol="0" anchor="ctr">
-            <a:normAutofit lnSpcReduction="10000"/>
+            <a:normAutofit/>
           </a:bodyPr>
           <a:lstStyle>
             <a:lvl1pPr algn="l" defTabSz="914400" rtl="0" eaLnBrk="1" latinLnBrk="0" hangingPunct="1">
@@ -3898,6 +3898,15 @@
                 <a:ea typeface="ＭＳ Ｐゴシック" pitchFamily="34" charset="-128"/>
               </a:rPr>
               <a:t>Social Robotics 2</a:t>
+            </a:r>
+          </a:p>
+          <a:p>
+            <a:pPr algn="ctr"/>
+            <a:r>
+              <a:rPr lang="en-US" altLang="en-US" sz="3600" dirty="0">
+                <a:ea typeface="ＭＳ Ｐゴシック" pitchFamily="34" charset="-128"/>
+              </a:rPr>
+              <a:t>Weekly Report for 26-30 Oct 2020</a:t>
             </a:r>
             <a:endParaRPr lang="en-US" altLang="en-US" dirty="0">
               <a:ea typeface="ＭＳ Ｐゴシック" pitchFamily="34" charset="-128"/>
@@ -4278,7 +4287,7 @@
         </p:spPr>
         <p:txBody>
           <a:bodyPr>
-            <a:normAutofit lnSpcReduction="10000"/>
+            <a:normAutofit fontScale="92500" lnSpcReduction="20000"/>
           </a:bodyPr>
           <a:lstStyle/>
           <a:p>
@@ -4332,14 +4341,37 @@
           <a:p>
             <a:pPr lvl="1"/>
             <a:r>
+              <a:rPr lang="en-US" sz="2400"/>
+              <a:t>Desired </a:t>
+            </a:r>
+            <a:r>
               <a:rPr lang="en-US" sz="2400" dirty="0"/>
-              <a:t> Desired outcome: a humanoid, social robot that can interact with ASD children to develop recognition and understanding of social cues</a:t>
+              <a:t>outcome: a humanoid, social robot that can interact with ASD children to develop recognition and understanding of social cues</a:t>
             </a:r>
           </a:p>
           <a:p>
             <a:r>
               <a:rPr lang="en-US" sz="2400" dirty="0"/>
               <a:t>Investigating initial scope proposal</a:t>
+            </a:r>
+          </a:p>
+          <a:p>
+            <a:r>
+              <a:rPr lang="en-US" sz="2400" dirty="0"/>
+              <a:t>Setup project GitHub: </a:t>
+            </a:r>
+          </a:p>
+          <a:p>
+            <a:pPr lvl="1"/>
+            <a:r>
+              <a:rPr lang="en-US" sz="2400" dirty="0">
+                <a:hlinkClick r:id="rId2"/>
+              </a:rPr>
+              <a:t>https://github.com/ancient-sentinel/UCCS-Social-Robotics</a:t>
+            </a:r>
+            <a:r>
+              <a:rPr lang="en-US" sz="2400" dirty="0"/>
+              <a:t> </a:t>
             </a:r>
           </a:p>
         </p:txBody>
@@ -4457,7 +4489,9 @@
           </a:xfrm>
         </p:spPr>
         <p:txBody>
-          <a:bodyPr/>
+          <a:bodyPr>
+            <a:normAutofit fontScale="85000" lnSpcReduction="20000"/>
+          </a:bodyPr>
           <a:lstStyle/>
           <a:p>
             <a:r>
@@ -4493,6 +4527,20 @@
             </a:r>
           </a:p>
           <a:p>
+            <a:pPr lvl="1"/>
+            <a:r>
+              <a:rPr lang="en-US" dirty="0"/>
+              <a:t>Define member project roles</a:t>
+            </a:r>
+          </a:p>
+          <a:p>
+            <a:pPr lvl="1"/>
+            <a:r>
+              <a:rPr lang="en-US" dirty="0"/>
+              <a:t>Define project standards and expectations for coding, documentation, communication, and source control</a:t>
+            </a:r>
+          </a:p>
+          <a:p>
             <a:r>
               <a:rPr lang="en-US" dirty="0"/>
               <a:t>Request time to begin working with the robot (TBD)</a:t>
@@ -4501,7 +4549,13 @@
           <a:p>
             <a:r>
               <a:rPr lang="en-US" dirty="0"/>
-              <a:t>Identify NAO compatible Jetson Nano Developer Kit GPUs</a:t>
+              <a:t>Identify NAO compatible Jetson Nano Developer Kit GPUs available within budget</a:t>
+            </a:r>
+          </a:p>
+          <a:p>
+            <a:r>
+              <a:rPr lang="en-US" dirty="0"/>
+              <a:t>Begin requirement analysis</a:t>
             </a:r>
           </a:p>
         </p:txBody>
@@ -4532,7 +4586,7 @@
               <a:pPr/>
               <a:t>3</a:t>
             </a:fld>
-            <a:endParaRPr lang="en-US"/>
+            <a:endParaRPr lang="en-US" dirty="0"/>
           </a:p>
         </p:txBody>
       </p:sp>
